--- a/Desktop Publishing & Presentation Graphics Applications/Microsoft PowerPoint Comprehensive/Overview.pptx
+++ b/Desktop Publishing & Presentation Graphics Applications/Microsoft PowerPoint Comprehensive/Overview.pptx
@@ -116,7 +116,7 @@
 <file path=ppt/revisionInfo.xml><?xml version="1.0" encoding="utf-8"?>
 <p1510:revInfo xmlns:a="http://schemas.openxmlformats.org/drawingml/2006/main" xmlns:r="http://schemas.openxmlformats.org/officeDocument/2006/relationships" xmlns:p1510="http://schemas.microsoft.com/office/powerpoint/2015/10/main">
   <p1510:revLst>
-    <p1510:client id="{DBF04074-0D8D-4701-911A-C78CA17DA974}" v="23" dt="2019-03-09T20:19:28.660"/>
+    <p1510:client id="{B53CFDC1-7318-4261-83EA-A60C64FD65CB}" v="4" dt="2019-03-10T15:35:20.439"/>
   </p1510:revLst>
 </p1510:revInfo>
 </file>
@@ -124,229 +124,73 @@
 <file path=ppt/changesInfos/changesInfo1.xml><?xml version="1.0" encoding="utf-8"?>
 <pc:chgInfo xmlns:a="http://schemas.openxmlformats.org/drawingml/2006/main" xmlns:r="http://schemas.openxmlformats.org/officeDocument/2006/relationships" xmlns:ac="http://schemas.microsoft.com/office/drawing/2013/main/command" xmlns:pc="http://schemas.microsoft.com/office/powerpoint/2013/main/command">
   <pc:docChgLst>
-    <pc:chgData name="SOUMYA VAJJHALA" userId="f3e3711e514002e0" providerId="LiveId" clId="{DBF04074-0D8D-4701-911A-C78CA17DA974}"/>
-    <pc:docChg chg="undo redo custSel addSld delSld modSld">
-      <pc:chgData name="SOUMYA VAJJHALA" userId="f3e3711e514002e0" providerId="LiveId" clId="{DBF04074-0D8D-4701-911A-C78CA17DA974}" dt="2019-03-09T20:27:06.646" v="672" actId="1440"/>
+    <pc:chgData name="SOUMYA VAJJHALA" userId="f3e3711e514002e0" providerId="LiveId" clId="{B53CFDC1-7318-4261-83EA-A60C64FD65CB}"/>
+    <pc:docChg chg="addSld modSld">
+      <pc:chgData name="SOUMYA VAJJHALA" userId="f3e3711e514002e0" providerId="LiveId" clId="{B53CFDC1-7318-4261-83EA-A60C64FD65CB}" dt="2019-03-10T15:28:33.353" v="150" actId="1440"/>
       <pc:docMkLst>
         <pc:docMk/>
       </pc:docMkLst>
-      <pc:sldChg chg="addSp delSp modSp add">
-        <pc:chgData name="SOUMYA VAJJHALA" userId="f3e3711e514002e0" providerId="LiveId" clId="{DBF04074-0D8D-4701-911A-C78CA17DA974}" dt="2019-03-09T20:27:06.646" v="672" actId="1440"/>
+      <pc:sldChg chg="addSp delSp modSp">
+        <pc:chgData name="SOUMYA VAJJHALA" userId="f3e3711e514002e0" providerId="LiveId" clId="{B53CFDC1-7318-4261-83EA-A60C64FD65CB}" dt="2019-03-10T15:28:33.353" v="150" actId="1440"/>
         <pc:sldMkLst>
           <pc:docMk/>
-          <pc:sldMk cId="3150076814" sldId="257"/>
+          <pc:sldMk cId="3811348795" sldId="257"/>
         </pc:sldMkLst>
-        <pc:spChg chg="mod">
-          <ac:chgData name="SOUMYA VAJJHALA" userId="f3e3711e514002e0" providerId="LiveId" clId="{DBF04074-0D8D-4701-911A-C78CA17DA974}" dt="2019-03-09T19:45:25.057" v="31" actId="20577"/>
+        <pc:spChg chg="del">
+          <ac:chgData name="SOUMYA VAJJHALA" userId="f3e3711e514002e0" providerId="LiveId" clId="{B53CFDC1-7318-4261-83EA-A60C64FD65CB}" dt="2019-03-10T15:28:16.105" v="149" actId="931"/>
           <ac:spMkLst>
             <pc:docMk/>
-            <pc:sldMk cId="3150076814" sldId="257"/>
-            <ac:spMk id="2" creationId="{FDF24C0D-AA72-4326-8CE7-B3204E7B831F}"/>
-          </ac:spMkLst>
-        </pc:spChg>
-        <pc:spChg chg="mod">
-          <ac:chgData name="SOUMYA VAJJHALA" userId="f3e3711e514002e0" providerId="LiveId" clId="{DBF04074-0D8D-4701-911A-C78CA17DA974}" dt="2019-03-09T20:14:01.818" v="518"/>
-          <ac:spMkLst>
-            <pc:docMk/>
-            <pc:sldMk cId="3150076814" sldId="257"/>
-            <ac:spMk id="3" creationId="{5C9D4ABF-242C-423A-A0A4-D970B35B048A}"/>
-          </ac:spMkLst>
-        </pc:spChg>
-        <pc:spChg chg="add del">
-          <ac:chgData name="SOUMYA VAJJHALA" userId="f3e3711e514002e0" providerId="LiveId" clId="{DBF04074-0D8D-4701-911A-C78CA17DA974}" dt="2019-03-09T20:19:28.660" v="671" actId="931"/>
-          <ac:spMkLst>
-            <pc:docMk/>
-            <pc:sldMk cId="3150076814" sldId="257"/>
-            <ac:spMk id="4" creationId="{0EEB8AA4-405D-4680-AED0-B2B7F92DBD73}"/>
-          </ac:spMkLst>
-        </pc:spChg>
-        <pc:spChg chg="add del mod">
-          <ac:chgData name="SOUMYA VAJJHALA" userId="f3e3711e514002e0" providerId="LiveId" clId="{DBF04074-0D8D-4701-911A-C78CA17DA974}" dt="2019-03-09T20:14:01.818" v="518"/>
-          <ac:spMkLst>
-            <pc:docMk/>
-            <pc:sldMk cId="3150076814" sldId="257"/>
-            <ac:spMk id="5" creationId="{48FAD21D-8970-420C-A5A5-B16C56C36C51}"/>
+            <pc:sldMk cId="3811348795" sldId="257"/>
+            <ac:spMk id="4" creationId="{49630FC3-E6D7-482C-983E-FE0F5B99BD44}"/>
           </ac:spMkLst>
         </pc:spChg>
         <pc:picChg chg="add mod">
-          <ac:chgData name="SOUMYA VAJJHALA" userId="f3e3711e514002e0" providerId="LiveId" clId="{DBF04074-0D8D-4701-911A-C78CA17DA974}" dt="2019-03-09T20:27:06.646" v="672" actId="1440"/>
+          <ac:chgData name="SOUMYA VAJJHALA" userId="f3e3711e514002e0" providerId="LiveId" clId="{B53CFDC1-7318-4261-83EA-A60C64FD65CB}" dt="2019-03-10T15:28:33.353" v="150" actId="1440"/>
           <ac:picMkLst>
             <pc:docMk/>
-            <pc:sldMk cId="3150076814" sldId="257"/>
-            <ac:picMk id="7" creationId="{BDB44078-0981-4CE4-8894-7688E9CF9F66}"/>
-          </ac:picMkLst>
-        </pc:picChg>
-      </pc:sldChg>
-      <pc:sldChg chg="modSp add modNotesTx">
-        <pc:chgData name="SOUMYA VAJJHALA" userId="f3e3711e514002e0" providerId="LiveId" clId="{DBF04074-0D8D-4701-911A-C78CA17DA974}" dt="2019-03-09T20:06:51.893" v="495" actId="20577"/>
-        <pc:sldMkLst>
-          <pc:docMk/>
-          <pc:sldMk cId="535147038" sldId="258"/>
-        </pc:sldMkLst>
-        <pc:spChg chg="mod">
-          <ac:chgData name="SOUMYA VAJJHALA" userId="f3e3711e514002e0" providerId="LiveId" clId="{DBF04074-0D8D-4701-911A-C78CA17DA974}" dt="2019-03-09T20:02:43.164" v="193" actId="20577"/>
-          <ac:spMkLst>
-            <pc:docMk/>
-            <pc:sldMk cId="535147038" sldId="258"/>
-            <ac:spMk id="2" creationId="{A1DFDD94-DB72-4197-A35E-71E0F6FE33B6}"/>
-          </ac:spMkLst>
-        </pc:spChg>
-        <pc:spChg chg="mod">
-          <ac:chgData name="SOUMYA VAJJHALA" userId="f3e3711e514002e0" providerId="LiveId" clId="{DBF04074-0D8D-4701-911A-C78CA17DA974}" dt="2019-03-09T20:05:36.510" v="383" actId="20577"/>
-          <ac:spMkLst>
-            <pc:docMk/>
-            <pc:sldMk cId="535147038" sldId="258"/>
-            <ac:spMk id="3" creationId="{CD500669-6DA3-4687-B91D-57A2EC265917}"/>
-          </ac:spMkLst>
-        </pc:spChg>
-      </pc:sldChg>
-      <pc:sldChg chg="addSp delSp modSp add del">
-        <pc:chgData name="SOUMYA VAJJHALA" userId="f3e3711e514002e0" providerId="LiveId" clId="{DBF04074-0D8D-4701-911A-C78CA17DA974}" dt="2019-03-09T20:13:49.566" v="514" actId="2696"/>
-        <pc:sldMkLst>
-          <pc:docMk/>
-          <pc:sldMk cId="2115156113" sldId="259"/>
-        </pc:sldMkLst>
-        <pc:spChg chg="add del">
-          <ac:chgData name="SOUMYA VAJJHALA" userId="f3e3711e514002e0" providerId="LiveId" clId="{DBF04074-0D8D-4701-911A-C78CA17DA974}" dt="2019-03-09T20:12:29.021" v="513"/>
-          <ac:spMkLst>
-            <pc:docMk/>
-            <pc:sldMk cId="2115156113" sldId="259"/>
-            <ac:spMk id="2" creationId="{8239465A-3FF6-4487-9401-28E5AD34E7E1}"/>
-          </ac:spMkLst>
-        </pc:spChg>
-        <pc:spChg chg="del">
-          <ac:chgData name="SOUMYA VAJJHALA" userId="f3e3711e514002e0" providerId="LiveId" clId="{DBF04074-0D8D-4701-911A-C78CA17DA974}" dt="2019-03-09T20:12:15.519" v="511" actId="931"/>
-          <ac:spMkLst>
-            <pc:docMk/>
-            <pc:sldMk cId="2115156113" sldId="259"/>
-            <ac:spMk id="3" creationId="{B440C974-CA40-41F5-936A-E192238E0CCF}"/>
-          </ac:spMkLst>
-        </pc:spChg>
-        <pc:spChg chg="add del">
-          <ac:chgData name="SOUMYA VAJJHALA" userId="f3e3711e514002e0" providerId="LiveId" clId="{DBF04074-0D8D-4701-911A-C78CA17DA974}" dt="2019-03-09T20:12:29.021" v="513"/>
-          <ac:spMkLst>
-            <pc:docMk/>
-            <pc:sldMk cId="2115156113" sldId="259"/>
-            <ac:spMk id="4" creationId="{D8E51BB0-C374-4D3F-8DDB-200B13EA211F}"/>
-          </ac:spMkLst>
-        </pc:spChg>
-        <pc:spChg chg="add del mod">
-          <ac:chgData name="SOUMYA VAJJHALA" userId="f3e3711e514002e0" providerId="LiveId" clId="{DBF04074-0D8D-4701-911A-C78CA17DA974}" dt="2019-03-09T20:12:29.021" v="513"/>
-          <ac:spMkLst>
-            <pc:docMk/>
-            <pc:sldMk cId="2115156113" sldId="259"/>
-            <ac:spMk id="7" creationId="{934CAD9E-838B-4417-8073-8C4416D68812}"/>
-          </ac:spMkLst>
-        </pc:spChg>
-        <pc:spChg chg="add del mod">
-          <ac:chgData name="SOUMYA VAJJHALA" userId="f3e3711e514002e0" providerId="LiveId" clId="{DBF04074-0D8D-4701-911A-C78CA17DA974}" dt="2019-03-09T20:12:29.021" v="513"/>
-          <ac:spMkLst>
-            <pc:docMk/>
-            <pc:sldMk cId="2115156113" sldId="259"/>
-            <ac:spMk id="8" creationId="{EFB0C53F-C273-460C-94CE-9E54E610CF45}"/>
-          </ac:spMkLst>
-        </pc:spChg>
-        <pc:picChg chg="add mod">
-          <ac:chgData name="SOUMYA VAJJHALA" userId="f3e3711e514002e0" providerId="LiveId" clId="{DBF04074-0D8D-4701-911A-C78CA17DA974}" dt="2019-03-09T20:12:15.519" v="511" actId="931"/>
-          <ac:picMkLst>
-            <pc:docMk/>
-            <pc:sldMk cId="2115156113" sldId="259"/>
-            <ac:picMk id="6" creationId="{30A6F1C1-3CB5-4A46-BE92-654B6DA4FF28}"/>
+            <pc:sldMk cId="3811348795" sldId="257"/>
+            <ac:picMk id="6" creationId="{86151B69-32A3-407B-95D9-9B7F8A6C2729}"/>
           </ac:picMkLst>
         </pc:picChg>
       </pc:sldChg>
       <pc:sldChg chg="addSp delSp modSp add">
-        <pc:chgData name="SOUMYA VAJJHALA" userId="f3e3711e514002e0" providerId="LiveId" clId="{DBF04074-0D8D-4701-911A-C78CA17DA974}" dt="2019-03-09T20:18:18.242" v="670" actId="20577"/>
+        <pc:chgData name="SOUMYA VAJJHALA" userId="f3e3711e514002e0" providerId="LiveId" clId="{B53CFDC1-7318-4261-83EA-A60C64FD65CB}" dt="2019-03-10T15:28:05.725" v="148" actId="20577"/>
         <pc:sldMkLst>
           <pc:docMk/>
-          <pc:sldMk cId="3139850872" sldId="259"/>
+          <pc:sldMk cId="4137200150" sldId="259"/>
         </pc:sldMkLst>
         <pc:spChg chg="mod">
-          <ac:chgData name="SOUMYA VAJJHALA" userId="f3e3711e514002e0" providerId="LiveId" clId="{DBF04074-0D8D-4701-911A-C78CA17DA974}" dt="2019-03-09T20:16:51.716" v="540" actId="20577"/>
+          <ac:chgData name="SOUMYA VAJJHALA" userId="f3e3711e514002e0" providerId="LiveId" clId="{B53CFDC1-7318-4261-83EA-A60C64FD65CB}" dt="2019-03-10T15:27:41.064" v="21" actId="20577"/>
           <ac:spMkLst>
             <pc:docMk/>
-            <pc:sldMk cId="3139850872" sldId="259"/>
-            <ac:spMk id="2" creationId="{241F6780-DA8A-4C7F-A085-2539D5392FA1}"/>
+            <pc:sldMk cId="4137200150" sldId="259"/>
+            <ac:spMk id="2" creationId="{F6D494F9-508B-47C3-B875-D724D2813822}"/>
           </ac:spMkLst>
         </pc:spChg>
         <pc:spChg chg="del">
-          <ac:chgData name="SOUMYA VAJJHALA" userId="f3e3711e514002e0" providerId="LiveId" clId="{DBF04074-0D8D-4701-911A-C78CA17DA974}" dt="2019-03-09T20:15:03.639" v="520" actId="931"/>
+          <ac:chgData name="SOUMYA VAJJHALA" userId="f3e3711e514002e0" providerId="LiveId" clId="{B53CFDC1-7318-4261-83EA-A60C64FD65CB}" dt="2019-03-10T15:27:23.497" v="1" actId="931"/>
           <ac:spMkLst>
             <pc:docMk/>
-            <pc:sldMk cId="3139850872" sldId="259"/>
-            <ac:spMk id="3" creationId="{6C161CBE-9840-4F04-9C76-D2CC9E3F34CA}"/>
+            <pc:sldMk cId="4137200150" sldId="259"/>
+            <ac:spMk id="3" creationId="{2F044B34-5223-4E75-B7B7-A983611551D4}"/>
           </ac:spMkLst>
         </pc:spChg>
         <pc:spChg chg="mod">
-          <ac:chgData name="SOUMYA VAJJHALA" userId="f3e3711e514002e0" providerId="LiveId" clId="{DBF04074-0D8D-4701-911A-C78CA17DA974}" dt="2019-03-09T20:18:18.242" v="670" actId="20577"/>
+          <ac:chgData name="SOUMYA VAJJHALA" userId="f3e3711e514002e0" providerId="LiveId" clId="{B53CFDC1-7318-4261-83EA-A60C64FD65CB}" dt="2019-03-10T15:28:05.725" v="148" actId="20577"/>
           <ac:spMkLst>
             <pc:docMk/>
-            <pc:sldMk cId="3139850872" sldId="259"/>
-            <ac:spMk id="4" creationId="{2131F884-8269-4370-805C-D11D93FEA14D}"/>
+            <pc:sldMk cId="4137200150" sldId="259"/>
+            <ac:spMk id="4" creationId="{7A3E26E9-CC28-4508-B390-1BAF9639FE04}"/>
           </ac:spMkLst>
         </pc:spChg>
         <pc:picChg chg="add mod">
-          <ac:chgData name="SOUMYA VAJJHALA" userId="f3e3711e514002e0" providerId="LiveId" clId="{DBF04074-0D8D-4701-911A-C78CA17DA974}" dt="2019-03-09T20:15:03.639" v="520" actId="931"/>
+          <ac:chgData name="SOUMYA VAJJHALA" userId="f3e3711e514002e0" providerId="LiveId" clId="{B53CFDC1-7318-4261-83EA-A60C64FD65CB}" dt="2019-03-10T15:27:23.497" v="1" actId="931"/>
           <ac:picMkLst>
             <pc:docMk/>
-            <pc:sldMk cId="3139850872" sldId="259"/>
-            <ac:picMk id="6" creationId="{C17F1662-0A75-4E41-82C6-AD33B805C39A}"/>
+            <pc:sldMk cId="4137200150" sldId="259"/>
+            <ac:picMk id="6" creationId="{AB3BED6D-C244-4F4C-83D7-AF2F83B728A8}"/>
           </ac:picMkLst>
         </pc:picChg>
-      </pc:sldChg>
-      <pc:sldChg chg="add del">
-        <pc:chgData name="SOUMYA VAJJHALA" userId="f3e3711e514002e0" providerId="LiveId" clId="{DBF04074-0D8D-4701-911A-C78CA17DA974}" dt="2019-03-09T20:11:05.181" v="505" actId="2696"/>
-        <pc:sldMkLst>
-          <pc:docMk/>
-          <pc:sldMk cId="3324506485" sldId="259"/>
-        </pc:sldMkLst>
-      </pc:sldChg>
-      <pc:sldChg chg="addSp delSp modSp add del">
-        <pc:chgData name="SOUMYA VAJJHALA" userId="f3e3711e514002e0" providerId="LiveId" clId="{DBF04074-0D8D-4701-911A-C78CA17DA974}" dt="2019-03-09T20:11:43.870" v="509" actId="2696"/>
-        <pc:sldMkLst>
-          <pc:docMk/>
-          <pc:sldMk cId="4149045541" sldId="259"/>
-        </pc:sldMkLst>
-        <pc:spChg chg="add del">
-          <ac:chgData name="SOUMYA VAJJHALA" userId="f3e3711e514002e0" providerId="LiveId" clId="{DBF04074-0D8D-4701-911A-C78CA17DA974}" dt="2019-03-09T20:11:41.808" v="508"/>
-          <ac:spMkLst>
-            <pc:docMk/>
-            <pc:sldMk cId="4149045541" sldId="259"/>
-            <ac:spMk id="2" creationId="{53A41F94-B3B9-4A9A-8527-8287F5228083}"/>
-          </ac:spMkLst>
-        </pc:spChg>
-        <pc:spChg chg="add del">
-          <ac:chgData name="SOUMYA VAJJHALA" userId="f3e3711e514002e0" providerId="LiveId" clId="{DBF04074-0D8D-4701-911A-C78CA17DA974}" dt="2019-03-09T20:11:41.808" v="508"/>
-          <ac:spMkLst>
-            <pc:docMk/>
-            <pc:sldMk cId="4149045541" sldId="259"/>
-            <ac:spMk id="3" creationId="{B90B7475-81BC-44F9-ABC3-006B4858B863}"/>
-          </ac:spMkLst>
-        </pc:spChg>
-        <pc:spChg chg="add del mod">
-          <ac:chgData name="SOUMYA VAJJHALA" userId="f3e3711e514002e0" providerId="LiveId" clId="{DBF04074-0D8D-4701-911A-C78CA17DA974}" dt="2019-03-09T20:11:41.808" v="508"/>
-          <ac:spMkLst>
-            <pc:docMk/>
-            <pc:sldMk cId="4149045541" sldId="259"/>
-            <ac:spMk id="4" creationId="{1CD601CA-8F0E-4770-84D7-4F40F9F9660D}"/>
-          </ac:spMkLst>
-        </pc:spChg>
-        <pc:spChg chg="add del mod">
-          <ac:chgData name="SOUMYA VAJJHALA" userId="f3e3711e514002e0" providerId="LiveId" clId="{DBF04074-0D8D-4701-911A-C78CA17DA974}" dt="2019-03-09T20:11:41.808" v="508"/>
-          <ac:spMkLst>
-            <pc:docMk/>
-            <pc:sldMk cId="4149045541" sldId="259"/>
-            <ac:spMk id="5" creationId="{4EA59E63-A3E1-4880-A034-E782169C1364}"/>
-          </ac:spMkLst>
-        </pc:spChg>
-        <pc:spChg chg="add del mod">
-          <ac:chgData name="SOUMYA VAJJHALA" userId="f3e3711e514002e0" providerId="LiveId" clId="{DBF04074-0D8D-4701-911A-C78CA17DA974}" dt="2019-03-09T20:11:41.808" v="508"/>
-          <ac:spMkLst>
-            <pc:docMk/>
-            <pc:sldMk cId="4149045541" sldId="259"/>
-            <ac:spMk id="6" creationId="{2F297449-DDB3-4908-B24B-36D109537F60}"/>
-          </ac:spMkLst>
-        </pc:spChg>
       </pc:sldChg>
     </pc:docChg>
   </pc:docChgLst>
@@ -433,9 +277,9 @@
             </a:lvl1pPr>
           </a:lstStyle>
           <a:p>
-            <a:fld id="{940BCB18-B4A9-4B83-8F84-E7CBBE9D0908}" type="datetimeFigureOut">
+            <a:fld id="{F8E116A3-F67F-4A98-9AC4-55F8A9D23C93}" type="datetimeFigureOut">
               <a:rPr lang="en-US" smtClean="0"/>
-              <a:t>3/9/2019</a:t>
+              <a:t>3/10/2019</a:t>
             </a:fld>
             <a:endParaRPr lang="en-US"/>
           </a:p>
@@ -591,7 +435,7 @@
             </a:lvl1pPr>
           </a:lstStyle>
           <a:p>
-            <a:fld id="{42A52A6B-7524-4C78-81FB-947ACE57D64A}" type="slidenum">
+            <a:fld id="{9BFBFCF6-7C39-4294-AC77-D6909992DFD6}" type="slidenum">
               <a:rPr lang="en-US" smtClean="0"/>
               <a:t>‹#›</a:t>
             </a:fld>
@@ -602,7 +446,7 @@
     </p:spTree>
     <p:extLst>
       <p:ext uri="{BB962C8B-B14F-4D97-AF65-F5344CB8AC3E}">
-        <p14:creationId xmlns:p14="http://schemas.microsoft.com/office/powerpoint/2010/main" val="4037614592"/>
+        <p14:creationId xmlns:p14="http://schemas.microsoft.com/office/powerpoint/2010/main" val="3962843882"/>
       </p:ext>
     </p:extLst>
   </p:cSld>
@@ -746,6 +590,18 @@
           <a:bodyPr/>
           <a:lstStyle/>
           <a:p>
+            <a:r>
+              <a:rPr lang="en-US" sz="1200" b="0" i="0" u="none" strike="noStrike" kern="1200" dirty="0">
+                <a:solidFill>
+                  <a:schemeClr val="tx1"/>
+                </a:solidFill>
+                <a:effectLst/>
+                <a:latin typeface="+mn-lt"/>
+                <a:ea typeface="+mn-ea"/>
+                <a:cs typeface="+mn-cs"/>
+              </a:rPr>
+              <a:t>Lehua Hawaiian Adventures is based on Honolulu, but has offices on each of the main Hawaiian islands.</a:t>
+            </a:r>
             <a:endParaRPr lang="en-US" dirty="0"/>
           </a:p>
         </p:txBody>
@@ -765,94 +621,7 @@
           <a:bodyPr/>
           <a:lstStyle/>
           <a:p>
-            <a:fld id="{42A52A6B-7524-4C78-81FB-947ACE57D64A}" type="slidenum">
-              <a:rPr lang="en-US" smtClean="0"/>
-              <a:t>1</a:t>
-            </a:fld>
-            <a:endParaRPr lang="en-US"/>
-          </a:p>
-        </p:txBody>
-      </p:sp>
-    </p:spTree>
-    <p:extLst>
-      <p:ext uri="{BB962C8B-B14F-4D97-AF65-F5344CB8AC3E}">
-        <p14:creationId xmlns:p14="http://schemas.microsoft.com/office/powerpoint/2010/main" val="2925769673"/>
-      </p:ext>
-    </p:extLst>
-  </p:cSld>
-  <p:clrMapOvr>
-    <a:masterClrMapping/>
-  </p:clrMapOvr>
-</p:notes>
-</file>
-
-<file path=ppt/notesSlides/notesSlide2.xml><?xml version="1.0" encoding="utf-8"?>
-<p:notes xmlns:a="http://schemas.openxmlformats.org/drawingml/2006/main" xmlns:r="http://schemas.openxmlformats.org/officeDocument/2006/relationships" xmlns:p="http://schemas.openxmlformats.org/presentationml/2006/main">
-  <p:cSld>
-    <p:spTree>
-      <p:nvGrpSpPr>
-        <p:cNvPr id="1" name=""/>
-        <p:cNvGrpSpPr/>
-        <p:nvPr/>
-      </p:nvGrpSpPr>
-      <p:grpSpPr>
-        <a:xfrm>
-          <a:off x="0" y="0"/>
-          <a:ext cx="0" cy="0"/>
-          <a:chOff x="0" y="0"/>
-          <a:chExt cx="0" cy="0"/>
-        </a:xfrm>
-      </p:grpSpPr>
-      <p:sp>
-        <p:nvSpPr>
-          <p:cNvPr id="2" name="Slide Image Placeholder 1"/>
-          <p:cNvSpPr>
-            <a:spLocks noGrp="1" noRot="1" noChangeAspect="1"/>
-          </p:cNvSpPr>
-          <p:nvPr>
-            <p:ph type="sldImg"/>
-          </p:nvPr>
-        </p:nvSpPr>
-        <p:spPr/>
-      </p:sp>
-      <p:sp>
-        <p:nvSpPr>
-          <p:cNvPr id="3" name="Notes Placeholder 2"/>
-          <p:cNvSpPr>
-            <a:spLocks noGrp="1"/>
-          </p:cNvSpPr>
-          <p:nvPr>
-            <p:ph type="body" idx="1"/>
-          </p:nvPr>
-        </p:nvSpPr>
-        <p:spPr/>
-        <p:txBody>
-          <a:bodyPr/>
-          <a:lstStyle/>
-          <a:p>
-            <a:r>
-              <a:rPr lang="en-US" dirty="0"/>
-              <a:t>Lehua Hawaiian Adventures is based in Honolulu, but has offices on each of the main Hawaiian islands.</a:t>
-            </a:r>
-          </a:p>
-        </p:txBody>
-      </p:sp>
-      <p:sp>
-        <p:nvSpPr>
-          <p:cNvPr id="4" name="Slide Number Placeholder 3"/>
-          <p:cNvSpPr>
-            <a:spLocks noGrp="1"/>
-          </p:cNvSpPr>
-          <p:nvPr>
-            <p:ph type="sldNum" sz="quarter" idx="5"/>
-          </p:nvPr>
-        </p:nvSpPr>
-        <p:spPr/>
-        <p:txBody>
-          <a:bodyPr/>
-          <a:lstStyle/>
-          <a:p>
-            <a:fld id="{42A52A6B-7524-4C78-81FB-947ACE57D64A}" type="slidenum">
+            <a:fld id="{9BFBFCF6-7C39-4294-AC77-D6909992DFD6}" type="slidenum">
               <a:rPr lang="en-US" smtClean="0"/>
               <a:t>4</a:t>
             </a:fld>
@@ -863,7 +632,7 @@
     </p:spTree>
     <p:extLst>
       <p:ext uri="{BB962C8B-B14F-4D97-AF65-F5344CB8AC3E}">
-        <p14:creationId xmlns:p14="http://schemas.microsoft.com/office/powerpoint/2010/main" val="47423722"/>
+        <p14:creationId xmlns:p14="http://schemas.microsoft.com/office/powerpoint/2010/main" val="2794085977"/>
       </p:ext>
     </p:extLst>
   </p:cSld>
@@ -1593,9 +1362,9 @@
           <a:bodyPr/>
           <a:lstStyle/>
           <a:p>
-            <a:fld id="{FA9B2F42-FFDC-4280-B114-AC35739E5049}" type="datetimeFigureOut">
+            <a:fld id="{F8836CA7-5CB9-4967-B1B9-53ADF81FFBFE}" type="datetime1">
               <a:rPr lang="en-US" smtClean="0"/>
-              <a:t>3/9/2019</a:t>
+              <a:t>3/10/2019</a:t>
             </a:fld>
             <a:endParaRPr lang="en-US"/>
           </a:p>
@@ -1616,7 +1385,10 @@
           <a:bodyPr/>
           <a:lstStyle/>
           <a:p>
-            <a:endParaRPr lang="en-US"/>
+            <a:r>
+              <a:rPr lang="en-US"/>
+              <a:t>Overview</a:t>
+            </a:r>
           </a:p>
         </p:txBody>
       </p:sp>
@@ -1635,7 +1407,7 @@
           <a:bodyPr/>
           <a:lstStyle/>
           <a:p>
-            <a:fld id="{2B2DB4D6-9857-4F5C-B69E-432EBA6C9267}" type="slidenum">
+            <a:fld id="{27B32BC4-EBCB-4CBD-BAA1-715F66D9AE66}" type="slidenum">
               <a:rPr lang="en-US" smtClean="0"/>
               <a:t>‹#›</a:t>
             </a:fld>
@@ -1646,7 +1418,7 @@
     </p:spTree>
     <p:extLst>
       <p:ext uri="{BB962C8B-B14F-4D97-AF65-F5344CB8AC3E}">
-        <p14:creationId xmlns:p14="http://schemas.microsoft.com/office/powerpoint/2010/main" val="1574195780"/>
+        <p14:creationId xmlns:p14="http://schemas.microsoft.com/office/powerpoint/2010/main" val="3639187209"/>
       </p:ext>
     </p:extLst>
   </p:cSld>
@@ -1844,9 +1616,9 @@
           <a:bodyPr/>
           <a:lstStyle/>
           <a:p>
-            <a:fld id="{FA9B2F42-FFDC-4280-B114-AC35739E5049}" type="datetimeFigureOut">
+            <a:fld id="{1026F806-4DD5-4F24-9DBE-CD4890C2739E}" type="datetime1">
               <a:rPr lang="en-US" smtClean="0"/>
-              <a:t>3/9/2019</a:t>
+              <a:t>3/10/2019</a:t>
             </a:fld>
             <a:endParaRPr lang="en-US"/>
           </a:p>
@@ -1867,7 +1639,10 @@
           <a:bodyPr/>
           <a:lstStyle/>
           <a:p>
-            <a:endParaRPr lang="en-US"/>
+            <a:r>
+              <a:rPr lang="en-US"/>
+              <a:t>Overview</a:t>
+            </a:r>
           </a:p>
         </p:txBody>
       </p:sp>
@@ -1886,7 +1661,7 @@
           <a:bodyPr/>
           <a:lstStyle/>
           <a:p>
-            <a:fld id="{2B2DB4D6-9857-4F5C-B69E-432EBA6C9267}" type="slidenum">
+            <a:fld id="{27B32BC4-EBCB-4CBD-BAA1-715F66D9AE66}" type="slidenum">
               <a:rPr lang="en-US" smtClean="0"/>
               <a:t>‹#›</a:t>
             </a:fld>
@@ -1897,7 +1672,7 @@
     </p:spTree>
     <p:extLst>
       <p:ext uri="{BB962C8B-B14F-4D97-AF65-F5344CB8AC3E}">
-        <p14:creationId xmlns:p14="http://schemas.microsoft.com/office/powerpoint/2010/main" val="2567106321"/>
+        <p14:creationId xmlns:p14="http://schemas.microsoft.com/office/powerpoint/2010/main" val="435679064"/>
       </p:ext>
     </p:extLst>
   </p:cSld>
@@ -2158,9 +1933,9 @@
           <a:bodyPr/>
           <a:lstStyle/>
           <a:p>
-            <a:fld id="{FA9B2F42-FFDC-4280-B114-AC35739E5049}" type="datetimeFigureOut">
+            <a:fld id="{9A48F3C9-2620-4B2B-96CE-12263426AEAB}" type="datetime1">
               <a:rPr lang="en-US" smtClean="0"/>
-              <a:t>3/9/2019</a:t>
+              <a:t>3/10/2019</a:t>
             </a:fld>
             <a:endParaRPr lang="en-US"/>
           </a:p>
@@ -2181,7 +1956,10 @@
           <a:bodyPr/>
           <a:lstStyle/>
           <a:p>
-            <a:endParaRPr lang="en-US"/>
+            <a:r>
+              <a:rPr lang="en-US"/>
+              <a:t>Overview</a:t>
+            </a:r>
           </a:p>
         </p:txBody>
       </p:sp>
@@ -2200,7 +1978,7 @@
           <a:bodyPr/>
           <a:lstStyle/>
           <a:p>
-            <a:fld id="{2B2DB4D6-9857-4F5C-B69E-432EBA6C9267}" type="slidenum">
+            <a:fld id="{27B32BC4-EBCB-4CBD-BAA1-715F66D9AE66}" type="slidenum">
               <a:rPr lang="en-US" smtClean="0"/>
               <a:t>‹#›</a:t>
             </a:fld>
@@ -2301,7 +2079,7 @@
     </p:spTree>
     <p:extLst>
       <p:ext uri="{BB962C8B-B14F-4D97-AF65-F5344CB8AC3E}">
-        <p14:creationId xmlns:p14="http://schemas.microsoft.com/office/powerpoint/2010/main" val="3934723152"/>
+        <p14:creationId xmlns:p14="http://schemas.microsoft.com/office/powerpoint/2010/main" val="3422578470"/>
       </p:ext>
     </p:extLst>
   </p:cSld>
@@ -2499,9 +2277,9 @@
           <a:bodyPr/>
           <a:lstStyle/>
           <a:p>
-            <a:fld id="{FA9B2F42-FFDC-4280-B114-AC35739E5049}" type="datetimeFigureOut">
+            <a:fld id="{3A73AFE2-CDC6-4619-A242-95D99347ACCA}" type="datetime1">
               <a:rPr lang="en-US" smtClean="0"/>
-              <a:t>3/9/2019</a:t>
+              <a:t>3/10/2019</a:t>
             </a:fld>
             <a:endParaRPr lang="en-US"/>
           </a:p>
@@ -2522,7 +2300,10 @@
           <a:bodyPr/>
           <a:lstStyle/>
           <a:p>
-            <a:endParaRPr lang="en-US"/>
+            <a:r>
+              <a:rPr lang="en-US"/>
+              <a:t>Overview</a:t>
+            </a:r>
           </a:p>
         </p:txBody>
       </p:sp>
@@ -2541,7 +2322,7 @@
           <a:bodyPr/>
           <a:lstStyle/>
           <a:p>
-            <a:fld id="{2B2DB4D6-9857-4F5C-B69E-432EBA6C9267}" type="slidenum">
+            <a:fld id="{27B32BC4-EBCB-4CBD-BAA1-715F66D9AE66}" type="slidenum">
               <a:rPr lang="en-US" smtClean="0"/>
               <a:t>‹#›</a:t>
             </a:fld>
@@ -2552,7 +2333,7 @@
     </p:spTree>
     <p:extLst>
       <p:ext uri="{BB962C8B-B14F-4D97-AF65-F5344CB8AC3E}">
-        <p14:creationId xmlns:p14="http://schemas.microsoft.com/office/powerpoint/2010/main" val="827794163"/>
+        <p14:creationId xmlns:p14="http://schemas.microsoft.com/office/powerpoint/2010/main" val="1389342098"/>
       </p:ext>
     </p:extLst>
   </p:cSld>
@@ -2813,9 +2594,9 @@
           <a:bodyPr/>
           <a:lstStyle/>
           <a:p>
-            <a:fld id="{FA9B2F42-FFDC-4280-B114-AC35739E5049}" type="datetimeFigureOut">
+            <a:fld id="{926F85B7-2B56-41CB-BF4A-5203D20E1F6C}" type="datetime1">
               <a:rPr lang="en-US" smtClean="0"/>
-              <a:t>3/9/2019</a:t>
+              <a:t>3/10/2019</a:t>
             </a:fld>
             <a:endParaRPr lang="en-US"/>
           </a:p>
@@ -2836,7 +2617,10 @@
           <a:bodyPr/>
           <a:lstStyle/>
           <a:p>
-            <a:endParaRPr lang="en-US"/>
+            <a:r>
+              <a:rPr lang="en-US"/>
+              <a:t>Overview</a:t>
+            </a:r>
           </a:p>
         </p:txBody>
       </p:sp>
@@ -2855,7 +2639,7 @@
           <a:bodyPr/>
           <a:lstStyle/>
           <a:p>
-            <a:fld id="{2B2DB4D6-9857-4F5C-B69E-432EBA6C9267}" type="slidenum">
+            <a:fld id="{27B32BC4-EBCB-4CBD-BAA1-715F66D9AE66}" type="slidenum">
               <a:rPr lang="en-US" smtClean="0"/>
               <a:t>‹#›</a:t>
             </a:fld>
@@ -2948,7 +2732,7 @@
     </p:spTree>
     <p:extLst>
       <p:ext uri="{BB962C8B-B14F-4D97-AF65-F5344CB8AC3E}">
-        <p14:creationId xmlns:p14="http://schemas.microsoft.com/office/powerpoint/2010/main" val="1143464035"/>
+        <p14:creationId xmlns:p14="http://schemas.microsoft.com/office/powerpoint/2010/main" val="3208280294"/>
       </p:ext>
     </p:extLst>
   </p:cSld>
@@ -3206,9 +2990,9 @@
           <a:bodyPr/>
           <a:lstStyle/>
           <a:p>
-            <a:fld id="{FA9B2F42-FFDC-4280-B114-AC35739E5049}" type="datetimeFigureOut">
+            <a:fld id="{4E8FA56A-B634-4DC6-9F70-01B2FC84A50B}" type="datetime1">
               <a:rPr lang="en-US" smtClean="0"/>
-              <a:t>3/9/2019</a:t>
+              <a:t>3/10/2019</a:t>
             </a:fld>
             <a:endParaRPr lang="en-US"/>
           </a:p>
@@ -3229,7 +3013,10 @@
           <a:bodyPr/>
           <a:lstStyle/>
           <a:p>
-            <a:endParaRPr lang="en-US"/>
+            <a:r>
+              <a:rPr lang="en-US"/>
+              <a:t>Overview</a:t>
+            </a:r>
           </a:p>
         </p:txBody>
       </p:sp>
@@ -3248,7 +3035,7 @@
           <a:bodyPr/>
           <a:lstStyle/>
           <a:p>
-            <a:fld id="{2B2DB4D6-9857-4F5C-B69E-432EBA6C9267}" type="slidenum">
+            <a:fld id="{27B32BC4-EBCB-4CBD-BAA1-715F66D9AE66}" type="slidenum">
               <a:rPr lang="en-US" smtClean="0"/>
               <a:t>‹#›</a:t>
             </a:fld>
@@ -3259,7 +3046,7 @@
     </p:spTree>
     <p:extLst>
       <p:ext uri="{BB962C8B-B14F-4D97-AF65-F5344CB8AC3E}">
-        <p14:creationId xmlns:p14="http://schemas.microsoft.com/office/powerpoint/2010/main" val="3392280199"/>
+        <p14:creationId xmlns:p14="http://schemas.microsoft.com/office/powerpoint/2010/main" val="159898108"/>
       </p:ext>
     </p:extLst>
   </p:cSld>
@@ -3376,9 +3163,9 @@
           <a:bodyPr/>
           <a:lstStyle/>
           <a:p>
-            <a:fld id="{FA9B2F42-FFDC-4280-B114-AC35739E5049}" type="datetimeFigureOut">
+            <a:fld id="{BE39FA8D-27DF-4516-A235-D6226F03023C}" type="datetime1">
               <a:rPr lang="en-US" smtClean="0"/>
-              <a:t>3/9/2019</a:t>
+              <a:t>3/10/2019</a:t>
             </a:fld>
             <a:endParaRPr lang="en-US"/>
           </a:p>
@@ -3399,7 +3186,10 @@
           <a:bodyPr/>
           <a:lstStyle/>
           <a:p>
-            <a:endParaRPr lang="en-US"/>
+            <a:r>
+              <a:rPr lang="en-US"/>
+              <a:t>Overview</a:t>
+            </a:r>
           </a:p>
         </p:txBody>
       </p:sp>
@@ -3418,7 +3208,7 @@
           <a:bodyPr/>
           <a:lstStyle/>
           <a:p>
-            <a:fld id="{2B2DB4D6-9857-4F5C-B69E-432EBA6C9267}" type="slidenum">
+            <a:fld id="{27B32BC4-EBCB-4CBD-BAA1-715F66D9AE66}" type="slidenum">
               <a:rPr lang="en-US" smtClean="0"/>
               <a:t>‹#›</a:t>
             </a:fld>
@@ -3429,7 +3219,7 @@
     </p:spTree>
     <p:extLst>
       <p:ext uri="{BB962C8B-B14F-4D97-AF65-F5344CB8AC3E}">
-        <p14:creationId xmlns:p14="http://schemas.microsoft.com/office/powerpoint/2010/main" val="1017266249"/>
+        <p14:creationId xmlns:p14="http://schemas.microsoft.com/office/powerpoint/2010/main" val="1968502788"/>
       </p:ext>
     </p:extLst>
   </p:cSld>
@@ -3556,9 +3346,9 @@
           <a:bodyPr/>
           <a:lstStyle/>
           <a:p>
-            <a:fld id="{FA9B2F42-FFDC-4280-B114-AC35739E5049}" type="datetimeFigureOut">
+            <a:fld id="{EBA9C134-131B-41B3-A15F-EBE79CBDCE99}" type="datetime1">
               <a:rPr lang="en-US" smtClean="0"/>
-              <a:t>3/9/2019</a:t>
+              <a:t>3/10/2019</a:t>
             </a:fld>
             <a:endParaRPr lang="en-US"/>
           </a:p>
@@ -3579,7 +3369,10 @@
           <a:bodyPr/>
           <a:lstStyle/>
           <a:p>
-            <a:endParaRPr lang="en-US"/>
+            <a:r>
+              <a:rPr lang="en-US"/>
+              <a:t>Overview</a:t>
+            </a:r>
           </a:p>
         </p:txBody>
       </p:sp>
@@ -3598,7 +3391,7 @@
           <a:bodyPr/>
           <a:lstStyle/>
           <a:p>
-            <a:fld id="{2B2DB4D6-9857-4F5C-B69E-432EBA6C9267}" type="slidenum">
+            <a:fld id="{27B32BC4-EBCB-4CBD-BAA1-715F66D9AE66}" type="slidenum">
               <a:rPr lang="en-US" smtClean="0"/>
               <a:t>‹#›</a:t>
             </a:fld>
@@ -3609,7 +3402,7 @@
     </p:spTree>
     <p:extLst>
       <p:ext uri="{BB962C8B-B14F-4D97-AF65-F5344CB8AC3E}">
-        <p14:creationId xmlns:p14="http://schemas.microsoft.com/office/powerpoint/2010/main" val="1866601943"/>
+        <p14:creationId xmlns:p14="http://schemas.microsoft.com/office/powerpoint/2010/main" val="1422345597"/>
       </p:ext>
     </p:extLst>
   </p:cSld>
@@ -3732,9 +3525,9 @@
           <a:bodyPr/>
           <a:lstStyle/>
           <a:p>
-            <a:fld id="{FA9B2F42-FFDC-4280-B114-AC35739E5049}" type="datetimeFigureOut">
+            <a:fld id="{6C3DA132-052E-4444-A869-8C5BF6721B9F}" type="datetime1">
               <a:rPr lang="en-US" smtClean="0"/>
-              <a:t>3/9/2019</a:t>
+              <a:t>3/10/2019</a:t>
             </a:fld>
             <a:endParaRPr lang="en-US"/>
           </a:p>
@@ -3755,7 +3548,10 @@
           <a:bodyPr/>
           <a:lstStyle/>
           <a:p>
-            <a:endParaRPr lang="en-US"/>
+            <a:r>
+              <a:rPr lang="en-US"/>
+              <a:t>Overview</a:t>
+            </a:r>
           </a:p>
         </p:txBody>
       </p:sp>
@@ -3774,7 +3570,7 @@
           <a:bodyPr/>
           <a:lstStyle/>
           <a:p>
-            <a:fld id="{2B2DB4D6-9857-4F5C-B69E-432EBA6C9267}" type="slidenum">
+            <a:fld id="{27B32BC4-EBCB-4CBD-BAA1-715F66D9AE66}" type="slidenum">
               <a:rPr lang="en-US" smtClean="0"/>
               <a:t>‹#›</a:t>
             </a:fld>
@@ -3785,7 +3581,7 @@
     </p:spTree>
     <p:extLst>
       <p:ext uri="{BB962C8B-B14F-4D97-AF65-F5344CB8AC3E}">
-        <p14:creationId xmlns:p14="http://schemas.microsoft.com/office/powerpoint/2010/main" val="3884113220"/>
+        <p14:creationId xmlns:p14="http://schemas.microsoft.com/office/powerpoint/2010/main" val="2271757306"/>
       </p:ext>
     </p:extLst>
   </p:cSld>
@@ -3979,9 +3775,9 @@
           <a:bodyPr/>
           <a:lstStyle/>
           <a:p>
-            <a:fld id="{FA9B2F42-FFDC-4280-B114-AC35739E5049}" type="datetimeFigureOut">
+            <a:fld id="{FA110F13-8943-49EE-9AEB-5162D7DE8119}" type="datetime1">
               <a:rPr lang="en-US" smtClean="0"/>
-              <a:t>3/9/2019</a:t>
+              <a:t>3/10/2019</a:t>
             </a:fld>
             <a:endParaRPr lang="en-US"/>
           </a:p>
@@ -4002,7 +3798,10 @@
           <a:bodyPr/>
           <a:lstStyle/>
           <a:p>
-            <a:endParaRPr lang="en-US"/>
+            <a:r>
+              <a:rPr lang="en-US"/>
+              <a:t>Overview</a:t>
+            </a:r>
           </a:p>
         </p:txBody>
       </p:sp>
@@ -4021,7 +3820,7 @@
           <a:bodyPr/>
           <a:lstStyle/>
           <a:p>
-            <a:fld id="{2B2DB4D6-9857-4F5C-B69E-432EBA6C9267}" type="slidenum">
+            <a:fld id="{27B32BC4-EBCB-4CBD-BAA1-715F66D9AE66}" type="slidenum">
               <a:rPr lang="en-US" smtClean="0"/>
               <a:t>‹#›</a:t>
             </a:fld>
@@ -4032,7 +3831,7 @@
     </p:spTree>
     <p:extLst>
       <p:ext uri="{BB962C8B-B14F-4D97-AF65-F5344CB8AC3E}">
-        <p14:creationId xmlns:p14="http://schemas.microsoft.com/office/powerpoint/2010/main" val="66379158"/>
+        <p14:creationId xmlns:p14="http://schemas.microsoft.com/office/powerpoint/2010/main" val="1623435681"/>
       </p:ext>
     </p:extLst>
   </p:cSld>
@@ -4211,9 +4010,9 @@
           <a:bodyPr/>
           <a:lstStyle/>
           <a:p>
-            <a:fld id="{FA9B2F42-FFDC-4280-B114-AC35739E5049}" type="datetimeFigureOut">
+            <a:fld id="{0400CAF0-3781-4356-AF48-EAC7BF961DCA}" type="datetime1">
               <a:rPr lang="en-US" smtClean="0"/>
-              <a:t>3/9/2019</a:t>
+              <a:t>3/10/2019</a:t>
             </a:fld>
             <a:endParaRPr lang="en-US"/>
           </a:p>
@@ -4234,7 +4033,10 @@
           <a:bodyPr/>
           <a:lstStyle/>
           <a:p>
-            <a:endParaRPr lang="en-US"/>
+            <a:r>
+              <a:rPr lang="en-US"/>
+              <a:t>Overview</a:t>
+            </a:r>
           </a:p>
         </p:txBody>
       </p:sp>
@@ -4253,7 +4055,7 @@
           <a:bodyPr/>
           <a:lstStyle/>
           <a:p>
-            <a:fld id="{2B2DB4D6-9857-4F5C-B69E-432EBA6C9267}" type="slidenum">
+            <a:fld id="{27B32BC4-EBCB-4CBD-BAA1-715F66D9AE66}" type="slidenum">
               <a:rPr lang="en-US" smtClean="0"/>
               <a:t>‹#›</a:t>
             </a:fld>
@@ -4264,7 +4066,7 @@
     </p:spTree>
     <p:extLst>
       <p:ext uri="{BB962C8B-B14F-4D97-AF65-F5344CB8AC3E}">
-        <p14:creationId xmlns:p14="http://schemas.microsoft.com/office/powerpoint/2010/main" val="3916001040"/>
+        <p14:creationId xmlns:p14="http://schemas.microsoft.com/office/powerpoint/2010/main" val="508276975"/>
       </p:ext>
     </p:extLst>
   </p:cSld>
@@ -4585,9 +4387,9 @@
           <a:bodyPr/>
           <a:lstStyle/>
           <a:p>
-            <a:fld id="{FA9B2F42-FFDC-4280-B114-AC35739E5049}" type="datetimeFigureOut">
+            <a:fld id="{DC377364-26ED-4D2B-A38F-444FBCADAA3B}" type="datetime1">
               <a:rPr lang="en-US" smtClean="0"/>
-              <a:t>3/9/2019</a:t>
+              <a:t>3/10/2019</a:t>
             </a:fld>
             <a:endParaRPr lang="en-US"/>
           </a:p>
@@ -4608,7 +4410,10 @@
           <a:bodyPr/>
           <a:lstStyle/>
           <a:p>
-            <a:endParaRPr lang="en-US"/>
+            <a:r>
+              <a:rPr lang="en-US"/>
+              <a:t>Overview</a:t>
+            </a:r>
           </a:p>
         </p:txBody>
       </p:sp>
@@ -4627,7 +4432,7 @@
           <a:bodyPr/>
           <a:lstStyle/>
           <a:p>
-            <a:fld id="{2B2DB4D6-9857-4F5C-B69E-432EBA6C9267}" type="slidenum">
+            <a:fld id="{27B32BC4-EBCB-4CBD-BAA1-715F66D9AE66}" type="slidenum">
               <a:rPr lang="en-US" smtClean="0"/>
               <a:t>‹#›</a:t>
             </a:fld>
@@ -4638,7 +4443,7 @@
     </p:spTree>
     <p:extLst>
       <p:ext uri="{BB962C8B-B14F-4D97-AF65-F5344CB8AC3E}">
-        <p14:creationId xmlns:p14="http://schemas.microsoft.com/office/powerpoint/2010/main" val="2584689474"/>
+        <p14:creationId xmlns:p14="http://schemas.microsoft.com/office/powerpoint/2010/main" val="3417826332"/>
       </p:ext>
     </p:extLst>
   </p:cSld>
@@ -4708,9 +4513,9 @@
           <a:bodyPr/>
           <a:lstStyle/>
           <a:p>
-            <a:fld id="{FA9B2F42-FFDC-4280-B114-AC35739E5049}" type="datetimeFigureOut">
+            <a:fld id="{5DAD244D-8BCE-49DA-A084-9C38D1EA1C37}" type="datetime1">
               <a:rPr lang="en-US" smtClean="0"/>
-              <a:t>3/9/2019</a:t>
+              <a:t>3/10/2019</a:t>
             </a:fld>
             <a:endParaRPr lang="en-US"/>
           </a:p>
@@ -4731,7 +4536,10 @@
           <a:bodyPr/>
           <a:lstStyle/>
           <a:p>
-            <a:endParaRPr lang="en-US"/>
+            <a:r>
+              <a:rPr lang="en-US"/>
+              <a:t>Overview</a:t>
+            </a:r>
           </a:p>
         </p:txBody>
       </p:sp>
@@ -4750,7 +4558,7 @@
           <a:bodyPr/>
           <a:lstStyle/>
           <a:p>
-            <a:fld id="{2B2DB4D6-9857-4F5C-B69E-432EBA6C9267}" type="slidenum">
+            <a:fld id="{27B32BC4-EBCB-4CBD-BAA1-715F66D9AE66}" type="slidenum">
               <a:rPr lang="en-US" smtClean="0"/>
               <a:t>‹#›</a:t>
             </a:fld>
@@ -4761,7 +4569,7 @@
     </p:spTree>
     <p:extLst>
       <p:ext uri="{BB962C8B-B14F-4D97-AF65-F5344CB8AC3E}">
-        <p14:creationId xmlns:p14="http://schemas.microsoft.com/office/powerpoint/2010/main" val="639314971"/>
+        <p14:creationId xmlns:p14="http://schemas.microsoft.com/office/powerpoint/2010/main" val="3575224379"/>
       </p:ext>
     </p:extLst>
   </p:cSld>
@@ -4803,9 +4611,9 @@
           <a:bodyPr/>
           <a:lstStyle/>
           <a:p>
-            <a:fld id="{FA9B2F42-FFDC-4280-B114-AC35739E5049}" type="datetimeFigureOut">
+            <a:fld id="{25E91876-5D98-406C-A094-7FA4CD323239}" type="datetime1">
               <a:rPr lang="en-US" smtClean="0"/>
-              <a:t>3/9/2019</a:t>
+              <a:t>3/10/2019</a:t>
             </a:fld>
             <a:endParaRPr lang="en-US"/>
           </a:p>
@@ -4826,7 +4634,10 @@
           <a:bodyPr/>
           <a:lstStyle/>
           <a:p>
-            <a:endParaRPr lang="en-US"/>
+            <a:r>
+              <a:rPr lang="en-US"/>
+              <a:t>Overview</a:t>
+            </a:r>
           </a:p>
         </p:txBody>
       </p:sp>
@@ -4845,7 +4656,7 @@
           <a:bodyPr/>
           <a:lstStyle/>
           <a:p>
-            <a:fld id="{2B2DB4D6-9857-4F5C-B69E-432EBA6C9267}" type="slidenum">
+            <a:fld id="{27B32BC4-EBCB-4CBD-BAA1-715F66D9AE66}" type="slidenum">
               <a:rPr lang="en-US" smtClean="0"/>
               <a:t>‹#›</a:t>
             </a:fld>
@@ -4856,7 +4667,7 @@
     </p:spTree>
     <p:extLst>
       <p:ext uri="{BB962C8B-B14F-4D97-AF65-F5344CB8AC3E}">
-        <p14:creationId xmlns:p14="http://schemas.microsoft.com/office/powerpoint/2010/main" val="708652004"/>
+        <p14:creationId xmlns:p14="http://schemas.microsoft.com/office/powerpoint/2010/main" val="3074727242"/>
       </p:ext>
     </p:extLst>
   </p:cSld>
@@ -5058,9 +4869,9 @@
           <a:bodyPr/>
           <a:lstStyle/>
           <a:p>
-            <a:fld id="{FA9B2F42-FFDC-4280-B114-AC35739E5049}" type="datetimeFigureOut">
+            <a:fld id="{055B78F4-D20B-42B2-A0D3-A065BB0465CE}" type="datetime1">
               <a:rPr lang="en-US" smtClean="0"/>
-              <a:t>3/9/2019</a:t>
+              <a:t>3/10/2019</a:t>
             </a:fld>
             <a:endParaRPr lang="en-US"/>
           </a:p>
@@ -5081,7 +4892,10 @@
           <a:bodyPr/>
           <a:lstStyle/>
           <a:p>
-            <a:endParaRPr lang="en-US"/>
+            <a:r>
+              <a:rPr lang="en-US"/>
+              <a:t>Overview</a:t>
+            </a:r>
           </a:p>
         </p:txBody>
       </p:sp>
@@ -5100,7 +4914,7 @@
           <a:bodyPr/>
           <a:lstStyle/>
           <a:p>
-            <a:fld id="{2B2DB4D6-9857-4F5C-B69E-432EBA6C9267}" type="slidenum">
+            <a:fld id="{27B32BC4-EBCB-4CBD-BAA1-715F66D9AE66}" type="slidenum">
               <a:rPr lang="en-US" smtClean="0"/>
               <a:t>‹#›</a:t>
             </a:fld>
@@ -5111,7 +4925,7 @@
     </p:spTree>
     <p:extLst>
       <p:ext uri="{BB962C8B-B14F-4D97-AF65-F5344CB8AC3E}">
-        <p14:creationId xmlns:p14="http://schemas.microsoft.com/office/powerpoint/2010/main" val="1341504864"/>
+        <p14:creationId xmlns:p14="http://schemas.microsoft.com/office/powerpoint/2010/main" val="3999815785"/>
       </p:ext>
     </p:extLst>
   </p:cSld>
@@ -5321,9 +5135,9 @@
           <a:bodyPr/>
           <a:lstStyle/>
           <a:p>
-            <a:fld id="{FA9B2F42-FFDC-4280-B114-AC35739E5049}" type="datetimeFigureOut">
+            <a:fld id="{AEDE0977-83F4-4D61-82F6-153D0AB84E3C}" type="datetime1">
               <a:rPr lang="en-US" smtClean="0"/>
-              <a:t>3/9/2019</a:t>
+              <a:t>3/10/2019</a:t>
             </a:fld>
             <a:endParaRPr lang="en-US"/>
           </a:p>
@@ -5344,7 +5158,10 @@
           <a:bodyPr/>
           <a:lstStyle/>
           <a:p>
-            <a:endParaRPr lang="en-US"/>
+            <a:r>
+              <a:rPr lang="en-US"/>
+              <a:t>Overview</a:t>
+            </a:r>
           </a:p>
         </p:txBody>
       </p:sp>
@@ -5363,7 +5180,7 @@
           <a:bodyPr/>
           <a:lstStyle/>
           <a:p>
-            <a:fld id="{2B2DB4D6-9857-4F5C-B69E-432EBA6C9267}" type="slidenum">
+            <a:fld id="{27B32BC4-EBCB-4CBD-BAA1-715F66D9AE66}" type="slidenum">
               <a:rPr lang="en-US" smtClean="0"/>
               <a:t>‹#›</a:t>
             </a:fld>
@@ -5374,7 +5191,7 @@
     </p:spTree>
     <p:extLst>
       <p:ext uri="{BB962C8B-B14F-4D97-AF65-F5344CB8AC3E}">
-        <p14:creationId xmlns:p14="http://schemas.microsoft.com/office/powerpoint/2010/main" val="262826054"/>
+        <p14:creationId xmlns:p14="http://schemas.microsoft.com/office/powerpoint/2010/main" val="2784737129"/>
       </p:ext>
     </p:extLst>
   </p:cSld>
@@ -6064,9 +5881,9 @@
             </a:lvl1pPr>
           </a:lstStyle>
           <a:p>
-            <a:fld id="{FA9B2F42-FFDC-4280-B114-AC35739E5049}" type="datetimeFigureOut">
+            <a:fld id="{D84A97CE-3459-42CA-B1C9-41677D90EB9E}" type="datetime1">
               <a:rPr lang="en-US" smtClean="0"/>
-              <a:t>3/9/2019</a:t>
+              <a:t>3/10/2019</a:t>
             </a:fld>
             <a:endParaRPr lang="en-US"/>
           </a:p>
@@ -6105,7 +5922,10 @@
             </a:lvl1pPr>
           </a:lstStyle>
           <a:p>
-            <a:endParaRPr lang="en-US"/>
+            <a:r>
+              <a:rPr lang="en-US"/>
+              <a:t>Overview</a:t>
+            </a:r>
           </a:p>
         </p:txBody>
       </p:sp>
@@ -6140,7 +5960,7 @@
             </a:lvl1pPr>
           </a:lstStyle>
           <a:p>
-            <a:fld id="{2B2DB4D6-9857-4F5C-B69E-432EBA6C9267}" type="slidenum">
+            <a:fld id="{27B32BC4-EBCB-4CBD-BAA1-715F66D9AE66}" type="slidenum">
               <a:rPr lang="en-US" smtClean="0"/>
               <a:t>‹#›</a:t>
             </a:fld>
@@ -6151,7 +5971,7 @@
     </p:spTree>
     <p:extLst>
       <p:ext uri="{BB962C8B-B14F-4D97-AF65-F5344CB8AC3E}">
-        <p14:creationId xmlns:p14="http://schemas.microsoft.com/office/powerpoint/2010/main" val="191236435"/>
+        <p14:creationId xmlns:p14="http://schemas.microsoft.com/office/powerpoint/2010/main" val="2894869203"/>
       </p:ext>
     </p:extLst>
   </p:cSld>
@@ -6174,6 +5994,7 @@
     <p:sldLayoutId id="2147483675" r:id="rId15"/>
     <p:sldLayoutId id="2147483676" r:id="rId16"/>
   </p:sldLayoutIdLst>
+  <p:hf hdr="0" dt="0"/>
   <p:txStyles>
     <p:titleStyle>
       <a:lvl1pPr algn="l" defTabSz="457200" rtl="0" eaLnBrk="1" latinLnBrk="0" hangingPunct="1">
@@ -6595,7 +6416,7 @@
           <p:cNvPr id="2" name="Title 1">
             <a:extLst>
               <a:ext uri="{FF2B5EF4-FFF2-40B4-BE49-F238E27FC236}">
-                <a16:creationId xmlns:a16="http://schemas.microsoft.com/office/drawing/2014/main" id="{DAE1EC85-F0CA-47E9-8E39-332E39FDFABA}"/>
+                <a16:creationId xmlns:a16="http://schemas.microsoft.com/office/drawing/2014/main" id="{0C40866F-CF70-4070-B310-1F184B1F0387}"/>
               </a:ext>
             </a:extLst>
           </p:cNvPr>
@@ -6623,7 +6444,7 @@
           <p:cNvPr id="3" name="Subtitle 2">
             <a:extLst>
               <a:ext uri="{FF2B5EF4-FFF2-40B4-BE49-F238E27FC236}">
-                <a16:creationId xmlns:a16="http://schemas.microsoft.com/office/drawing/2014/main" id="{8BA60FD7-9A9E-4090-96A2-07398D9E185E}"/>
+                <a16:creationId xmlns:a16="http://schemas.microsoft.com/office/drawing/2014/main" id="{ED210147-7666-4CF0-8936-52FFFE97ABBB}"/>
               </a:ext>
             </a:extLst>
           </p:cNvPr>
@@ -6657,10 +6478,67 @@
           </a:p>
         </p:txBody>
       </p:sp>
+      <p:sp>
+        <p:nvSpPr>
+          <p:cNvPr id="4" name="Footer Placeholder 3">
+            <a:extLst>
+              <a:ext uri="{FF2B5EF4-FFF2-40B4-BE49-F238E27FC236}">
+                <a16:creationId xmlns:a16="http://schemas.microsoft.com/office/drawing/2014/main" id="{925E4813-1F16-4A22-B79D-FE35C65EE717}"/>
+              </a:ext>
+            </a:extLst>
+          </p:cNvPr>
+          <p:cNvSpPr>
+            <a:spLocks noGrp="1"/>
+          </p:cNvSpPr>
+          <p:nvPr>
+            <p:ph type="ftr" sz="quarter" idx="11"/>
+          </p:nvPr>
+        </p:nvSpPr>
+        <p:spPr/>
+        <p:txBody>
+          <a:bodyPr/>
+          <a:lstStyle/>
+          <a:p>
+            <a:r>
+              <a:rPr lang="en-US"/>
+              <a:t>Overview</a:t>
+            </a:r>
+          </a:p>
+        </p:txBody>
+      </p:sp>
+      <p:sp>
+        <p:nvSpPr>
+          <p:cNvPr id="5" name="Slide Number Placeholder 4">
+            <a:extLst>
+              <a:ext uri="{FF2B5EF4-FFF2-40B4-BE49-F238E27FC236}">
+                <a16:creationId xmlns:a16="http://schemas.microsoft.com/office/drawing/2014/main" id="{68A7046C-B150-460D-AAAB-DA2B78A7C1BE}"/>
+              </a:ext>
+            </a:extLst>
+          </p:cNvPr>
+          <p:cNvSpPr>
+            <a:spLocks noGrp="1"/>
+          </p:cNvSpPr>
+          <p:nvPr>
+            <p:ph type="sldNum" sz="quarter" idx="12"/>
+          </p:nvPr>
+        </p:nvSpPr>
+        <p:spPr/>
+        <p:txBody>
+          <a:bodyPr/>
+          <a:lstStyle/>
+          <a:p>
+            <a:fld id="{27B32BC4-EBCB-4CBD-BAA1-715F66D9AE66}" type="slidenum">
+              <a:rPr lang="en-US" smtClean="0"/>
+              <a:t>1</a:t>
+            </a:fld>
+            <a:endParaRPr lang="en-US"/>
+          </a:p>
+        </p:txBody>
+      </p:sp>
     </p:spTree>
     <p:extLst>
       <p:ext uri="{BB962C8B-B14F-4D97-AF65-F5344CB8AC3E}">
-        <p14:creationId xmlns:p14="http://schemas.microsoft.com/office/powerpoint/2010/main" val="4190553298"/>
+        <p14:creationId xmlns:p14="http://schemas.microsoft.com/office/powerpoint/2010/main" val="3497090631"/>
       </p:ext>
     </p:extLst>
   </p:cSld>
@@ -6692,7 +6570,7 @@
           <p:cNvPr id="2" name="Title 1">
             <a:extLst>
               <a:ext uri="{FF2B5EF4-FFF2-40B4-BE49-F238E27FC236}">
-                <a16:creationId xmlns:a16="http://schemas.microsoft.com/office/drawing/2014/main" id="{FDF24C0D-AA72-4326-8CE7-B3204E7B831F}"/>
+                <a16:creationId xmlns:a16="http://schemas.microsoft.com/office/drawing/2014/main" id="{0CC25F70-08A4-46EB-B283-4576C0F7D9B8}"/>
               </a:ext>
             </a:extLst>
           </p:cNvPr>
@@ -6720,7 +6598,7 @@
           <p:cNvPr id="3" name="Content Placeholder 2">
             <a:extLst>
               <a:ext uri="{FF2B5EF4-FFF2-40B4-BE49-F238E27FC236}">
-                <a16:creationId xmlns:a16="http://schemas.microsoft.com/office/drawing/2014/main" id="{5C9D4ABF-242C-423A-A0A4-D970B35B048A}"/>
+                <a16:creationId xmlns:a16="http://schemas.microsoft.com/office/drawing/2014/main" id="{0672E14E-B3AD-4E37-8A77-DBC3F30255BE}"/>
               </a:ext>
             </a:extLst>
           </p:cNvPr>
@@ -6777,10 +6655,10 @@
       </p:sp>
       <p:pic>
         <p:nvPicPr>
-          <p:cNvPr id="7" name="Content Placeholder 6">
+          <p:cNvPr id="6" name="Content Placeholder 5">
             <a:extLst>
               <a:ext uri="{FF2B5EF4-FFF2-40B4-BE49-F238E27FC236}">
-                <a16:creationId xmlns:a16="http://schemas.microsoft.com/office/drawing/2014/main" id="{BDB44078-0981-4CE4-8894-7688E9CF9F66}"/>
+                <a16:creationId xmlns:a16="http://schemas.microsoft.com/office/drawing/2014/main" id="{86151B69-32A3-407B-95D9-9B7F8A6C2729}"/>
               </a:ext>
             </a:extLst>
           </p:cNvPr>
@@ -6823,10 +6701,67 @@
           </a:effectLst>
         </p:spPr>
       </p:pic>
+      <p:sp>
+        <p:nvSpPr>
+          <p:cNvPr id="7" name="Footer Placeholder 6">
+            <a:extLst>
+              <a:ext uri="{FF2B5EF4-FFF2-40B4-BE49-F238E27FC236}">
+                <a16:creationId xmlns:a16="http://schemas.microsoft.com/office/drawing/2014/main" id="{1B2D6086-EB5E-4E1B-B318-1FFE36101871}"/>
+              </a:ext>
+            </a:extLst>
+          </p:cNvPr>
+          <p:cNvSpPr>
+            <a:spLocks noGrp="1"/>
+          </p:cNvSpPr>
+          <p:nvPr>
+            <p:ph type="ftr" sz="quarter" idx="11"/>
+          </p:nvPr>
+        </p:nvSpPr>
+        <p:spPr/>
+        <p:txBody>
+          <a:bodyPr/>
+          <a:lstStyle/>
+          <a:p>
+            <a:r>
+              <a:rPr lang="en-US"/>
+              <a:t>Overview</a:t>
+            </a:r>
+          </a:p>
+        </p:txBody>
+      </p:sp>
+      <p:sp>
+        <p:nvSpPr>
+          <p:cNvPr id="8" name="Slide Number Placeholder 7">
+            <a:extLst>
+              <a:ext uri="{FF2B5EF4-FFF2-40B4-BE49-F238E27FC236}">
+                <a16:creationId xmlns:a16="http://schemas.microsoft.com/office/drawing/2014/main" id="{2192D594-9369-412B-8004-420E648D6B9A}"/>
+              </a:ext>
+            </a:extLst>
+          </p:cNvPr>
+          <p:cNvSpPr>
+            <a:spLocks noGrp="1"/>
+          </p:cNvSpPr>
+          <p:nvPr>
+            <p:ph type="sldNum" sz="quarter" idx="12"/>
+          </p:nvPr>
+        </p:nvSpPr>
+        <p:spPr/>
+        <p:txBody>
+          <a:bodyPr/>
+          <a:lstStyle/>
+          <a:p>
+            <a:fld id="{27B32BC4-EBCB-4CBD-BAA1-715F66D9AE66}" type="slidenum">
+              <a:rPr lang="en-US" smtClean="0"/>
+              <a:t>2</a:t>
+            </a:fld>
+            <a:endParaRPr lang="en-US"/>
+          </a:p>
+        </p:txBody>
+      </p:sp>
     </p:spTree>
     <p:extLst>
       <p:ext uri="{BB962C8B-B14F-4D97-AF65-F5344CB8AC3E}">
-        <p14:creationId xmlns:p14="http://schemas.microsoft.com/office/powerpoint/2010/main" val="3150076814"/>
+        <p14:creationId xmlns:p14="http://schemas.microsoft.com/office/powerpoint/2010/main" val="3811348795"/>
       </p:ext>
     </p:extLst>
   </p:cSld>
@@ -6858,7 +6793,7 @@
           <p:cNvPr id="2" name="Title 1">
             <a:extLst>
               <a:ext uri="{FF2B5EF4-FFF2-40B4-BE49-F238E27FC236}">
-                <a16:creationId xmlns:a16="http://schemas.microsoft.com/office/drawing/2014/main" id="{241F6780-DA8A-4C7F-A085-2539D5392FA1}"/>
+                <a16:creationId xmlns:a16="http://schemas.microsoft.com/office/drawing/2014/main" id="{F6D494F9-508B-47C3-B875-D724D2813822}"/>
               </a:ext>
             </a:extLst>
           </p:cNvPr>
@@ -6886,7 +6821,7 @@
           <p:cNvPr id="6" name="Picture Placeholder 5">
             <a:extLst>
               <a:ext uri="{FF2B5EF4-FFF2-40B4-BE49-F238E27FC236}">
-                <a16:creationId xmlns:a16="http://schemas.microsoft.com/office/drawing/2014/main" id="{C17F1662-0A75-4E41-82C6-AD33B805C39A}"/>
+                <a16:creationId xmlns:a16="http://schemas.microsoft.com/office/drawing/2014/main" id="{AB3BED6D-C244-4F4C-83D7-AF2F83B728A8}"/>
               </a:ext>
             </a:extLst>
           </p:cNvPr>
@@ -6917,7 +6852,7 @@
           <p:cNvPr id="4" name="Text Placeholder 3">
             <a:extLst>
               <a:ext uri="{FF2B5EF4-FFF2-40B4-BE49-F238E27FC236}">
-                <a16:creationId xmlns:a16="http://schemas.microsoft.com/office/drawing/2014/main" id="{2131F884-8269-4370-805C-D11D93FEA14D}"/>
+                <a16:creationId xmlns:a16="http://schemas.microsoft.com/office/drawing/2014/main" id="{7A3E26E9-CC28-4508-B390-1BAF9639FE04}"/>
               </a:ext>
             </a:extLst>
           </p:cNvPr>
@@ -6935,15 +6870,72 @@
           <a:p>
             <a:r>
               <a:rPr lang="en-US" dirty="0"/>
-              <a:t>Mountain, sea, volcano. Our tour guides are experts in the history, geography, culture, and flora and fauna of Hawaii.  </a:t>
-            </a:r>
+              <a:t>Mountain, sea, volcano. Our tour guides are experts in the history, geography, culture, and flora and fauna of Hawaii</a:t>
+            </a:r>
+          </a:p>
+        </p:txBody>
+      </p:sp>
+      <p:sp>
+        <p:nvSpPr>
+          <p:cNvPr id="7" name="Footer Placeholder 6">
+            <a:extLst>
+              <a:ext uri="{FF2B5EF4-FFF2-40B4-BE49-F238E27FC236}">
+                <a16:creationId xmlns:a16="http://schemas.microsoft.com/office/drawing/2014/main" id="{3ADE109A-09CC-4D2E-AA7E-31335761B0F9}"/>
+              </a:ext>
+            </a:extLst>
+          </p:cNvPr>
+          <p:cNvSpPr>
+            <a:spLocks noGrp="1"/>
+          </p:cNvSpPr>
+          <p:nvPr>
+            <p:ph type="ftr" sz="quarter" idx="11"/>
+          </p:nvPr>
+        </p:nvSpPr>
+        <p:spPr/>
+        <p:txBody>
+          <a:bodyPr/>
+          <a:lstStyle/>
+          <a:p>
+            <a:r>
+              <a:rPr lang="en-US"/>
+              <a:t>Overview</a:t>
+            </a:r>
+          </a:p>
+        </p:txBody>
+      </p:sp>
+      <p:sp>
+        <p:nvSpPr>
+          <p:cNvPr id="8" name="Slide Number Placeholder 7">
+            <a:extLst>
+              <a:ext uri="{FF2B5EF4-FFF2-40B4-BE49-F238E27FC236}">
+                <a16:creationId xmlns:a16="http://schemas.microsoft.com/office/drawing/2014/main" id="{00E678FD-7E8F-45BF-8EDE-C6165340BB03}"/>
+              </a:ext>
+            </a:extLst>
+          </p:cNvPr>
+          <p:cNvSpPr>
+            <a:spLocks noGrp="1"/>
+          </p:cNvSpPr>
+          <p:nvPr>
+            <p:ph type="sldNum" sz="quarter" idx="12"/>
+          </p:nvPr>
+        </p:nvSpPr>
+        <p:spPr/>
+        <p:txBody>
+          <a:bodyPr/>
+          <a:lstStyle/>
+          <a:p>
+            <a:fld id="{27B32BC4-EBCB-4CBD-BAA1-715F66D9AE66}" type="slidenum">
+              <a:rPr lang="en-US" smtClean="0"/>
+              <a:t>3</a:t>
+            </a:fld>
+            <a:endParaRPr lang="en-US"/>
           </a:p>
         </p:txBody>
       </p:sp>
     </p:spTree>
     <p:extLst>
       <p:ext uri="{BB962C8B-B14F-4D97-AF65-F5344CB8AC3E}">
-        <p14:creationId xmlns:p14="http://schemas.microsoft.com/office/powerpoint/2010/main" val="3139850872"/>
+        <p14:creationId xmlns:p14="http://schemas.microsoft.com/office/powerpoint/2010/main" val="4137200150"/>
       </p:ext>
     </p:extLst>
   </p:cSld>
@@ -6975,7 +6967,7 @@
           <p:cNvPr id="2" name="Title 1">
             <a:extLst>
               <a:ext uri="{FF2B5EF4-FFF2-40B4-BE49-F238E27FC236}">
-                <a16:creationId xmlns:a16="http://schemas.microsoft.com/office/drawing/2014/main" id="{A1DFDD94-DB72-4197-A35E-71E0F6FE33B6}"/>
+                <a16:creationId xmlns:a16="http://schemas.microsoft.com/office/drawing/2014/main" id="{094BECA8-DE03-428D-9EF7-43AD1B3F9582}"/>
               </a:ext>
             </a:extLst>
           </p:cNvPr>
@@ -7003,7 +6995,7 @@
           <p:cNvPr id="3" name="Text Placeholder 2">
             <a:extLst>
               <a:ext uri="{FF2B5EF4-FFF2-40B4-BE49-F238E27FC236}">
-                <a16:creationId xmlns:a16="http://schemas.microsoft.com/office/drawing/2014/main" id="{CD500669-6DA3-4687-B91D-57A2EC265917}"/>
+                <a16:creationId xmlns:a16="http://schemas.microsoft.com/office/drawing/2014/main" id="{2FC3FE79-4361-44AD-8A28-3DCDFEAF1A8F}"/>
               </a:ext>
             </a:extLst>
           </p:cNvPr>
@@ -7028,10 +7020,67 @@
           </a:p>
         </p:txBody>
       </p:sp>
+      <p:sp>
+        <p:nvSpPr>
+          <p:cNvPr id="4" name="Footer Placeholder 3">
+            <a:extLst>
+              <a:ext uri="{FF2B5EF4-FFF2-40B4-BE49-F238E27FC236}">
+                <a16:creationId xmlns:a16="http://schemas.microsoft.com/office/drawing/2014/main" id="{0DC56414-20A4-4430-8BB4-49D5E6E70E10}"/>
+              </a:ext>
+            </a:extLst>
+          </p:cNvPr>
+          <p:cNvSpPr>
+            <a:spLocks noGrp="1"/>
+          </p:cNvSpPr>
+          <p:nvPr>
+            <p:ph type="ftr" sz="quarter" idx="11"/>
+          </p:nvPr>
+        </p:nvSpPr>
+        <p:spPr/>
+        <p:txBody>
+          <a:bodyPr/>
+          <a:lstStyle/>
+          <a:p>
+            <a:r>
+              <a:rPr lang="en-US"/>
+              <a:t>Overview</a:t>
+            </a:r>
+          </a:p>
+        </p:txBody>
+      </p:sp>
+      <p:sp>
+        <p:nvSpPr>
+          <p:cNvPr id="5" name="Slide Number Placeholder 4">
+            <a:extLst>
+              <a:ext uri="{FF2B5EF4-FFF2-40B4-BE49-F238E27FC236}">
+                <a16:creationId xmlns:a16="http://schemas.microsoft.com/office/drawing/2014/main" id="{79724A10-88C7-423E-833E-98E5621AC4E3}"/>
+              </a:ext>
+            </a:extLst>
+          </p:cNvPr>
+          <p:cNvSpPr>
+            <a:spLocks noGrp="1"/>
+          </p:cNvSpPr>
+          <p:nvPr>
+            <p:ph type="sldNum" sz="quarter" idx="12"/>
+          </p:nvPr>
+        </p:nvSpPr>
+        <p:spPr/>
+        <p:txBody>
+          <a:bodyPr/>
+          <a:lstStyle/>
+          <a:p>
+            <a:fld id="{27B32BC4-EBCB-4CBD-BAA1-715F66D9AE66}" type="slidenum">
+              <a:rPr lang="en-US" smtClean="0"/>
+              <a:t>4</a:t>
+            </a:fld>
+            <a:endParaRPr lang="en-US"/>
+          </a:p>
+        </p:txBody>
+      </p:sp>
     </p:spTree>
     <p:extLst>
       <p:ext uri="{BB962C8B-B14F-4D97-AF65-F5344CB8AC3E}">
-        <p14:creationId xmlns:p14="http://schemas.microsoft.com/office/powerpoint/2010/main" val="535147038"/>
+        <p14:creationId xmlns:p14="http://schemas.microsoft.com/office/powerpoint/2010/main" val="3396834429"/>
       </p:ext>
     </p:extLst>
   </p:cSld>
